--- a/bloccly_systemarchitecture.pptx
+++ b/bloccly_systemarchitecture.pptx
@@ -7,7 +7,8 @@
   <p:sldIdLst>
     <p:sldId id="256" r:id="rId2"/>
     <p:sldId id="257" r:id="rId3"/>
-    <p:sldId id="258" r:id="rId4"/>
+    <p:sldId id="259" r:id="rId4"/>
+    <p:sldId id="258" r:id="rId5"/>
   </p:sldIdLst>
   <p:sldSz cx="12192000" cy="6858000"/>
   <p:notesSz cx="6858000" cy="9144000"/>
@@ -7795,6 +7796,802 @@
 <file path=ppt/slides/slide3.xml><?xml version="1.0" encoding="utf-8"?>
 <p:sld xmlns:a="http://schemas.openxmlformats.org/drawingml/2006/main" xmlns:r="http://schemas.openxmlformats.org/officeDocument/2006/relationships" xmlns:p="http://schemas.openxmlformats.org/presentationml/2006/main">
   <p:cSld>
+    <p:bg>
+      <p:bgPr>
+        <a:solidFill>
+          <a:schemeClr val="bg1"/>
+        </a:solidFill>
+        <a:effectLst/>
+      </p:bgPr>
+    </p:bg>
+    <p:spTree>
+      <p:nvGrpSpPr>
+        <p:cNvPr id="1" name=""/>
+        <p:cNvGrpSpPr/>
+        <p:nvPr/>
+      </p:nvGrpSpPr>
+      <p:grpSpPr>
+        <a:xfrm>
+          <a:off x="0" y="0"/>
+          <a:ext cx="0" cy="0"/>
+          <a:chOff x="0" y="0"/>
+          <a:chExt cx="0" cy="0"/>
+        </a:xfrm>
+      </p:grpSpPr>
+      <p:sp>
+        <p:nvSpPr>
+          <p:cNvPr id="40" name="Rectangle 39">
+            <a:extLst>
+              <a:ext uri="{FF2B5EF4-FFF2-40B4-BE49-F238E27FC236}">
+                <a16:creationId xmlns:a16="http://schemas.microsoft.com/office/drawing/2014/main" id="{F72DC8D9-B960-4183-9246-80191C6198A9}"/>
+              </a:ext>
+              <a:ext uri="{C183D7F6-B498-43B3-948B-1728B52AA6E4}">
+                <adec:decorative xmlns:adec="http://schemas.microsoft.com/office/drawing/2017/decorative" val="1"/>
+              </a:ext>
+            </a:extLst>
+          </p:cNvPr>
+          <p:cNvSpPr>
+            <a:spLocks noGrp="1" noRot="1" noChangeAspect="1" noMove="1" noResize="1" noEditPoints="1" noAdjustHandles="1" noChangeArrowheads="1" noChangeShapeType="1" noTextEdit="1"/>
+          </p:cNvSpPr>
+          <p:nvPr>
+            <p:extLst>
+              <p:ext uri="{386F3935-93C4-4BCD-93E2-E3B085C9AB24}">
+                <p16:designElem xmlns:p16="http://schemas.microsoft.com/office/powerpoint/2015/main" val="1"/>
+              </p:ext>
+            </p:extLst>
+          </p:nvPr>
+        </p:nvSpPr>
+        <p:spPr>
+          <a:xfrm>
+            <a:off x="3048" y="2059012"/>
+            <a:ext cx="12188952" cy="1828800"/>
+          </a:xfrm>
+          <a:prstGeom prst="rect">
+            <a:avLst/>
+          </a:prstGeom>
+          <a:solidFill>
+            <a:schemeClr val="tx1"/>
+          </a:solidFill>
+          <a:ln>
+            <a:noFill/>
+          </a:ln>
+        </p:spPr>
+        <p:style>
+          <a:lnRef idx="2">
+            <a:schemeClr val="accent1">
+              <a:shade val="50000"/>
+            </a:schemeClr>
+          </a:lnRef>
+          <a:fillRef idx="1">
+            <a:schemeClr val="accent1"/>
+          </a:fillRef>
+          <a:effectRef idx="0">
+            <a:schemeClr val="accent1"/>
+          </a:effectRef>
+          <a:fontRef idx="minor">
+            <a:schemeClr val="lt1"/>
+          </a:fontRef>
+        </p:style>
+      </p:sp>
+      <p:sp>
+        <p:nvSpPr>
+          <p:cNvPr id="42" name="Rectangle 41">
+            <a:extLst>
+              <a:ext uri="{FF2B5EF4-FFF2-40B4-BE49-F238E27FC236}">
+                <a16:creationId xmlns:a16="http://schemas.microsoft.com/office/drawing/2014/main" id="{6F3CC1E3-E513-487D-88FC-B109FD1341DD}"/>
+              </a:ext>
+              <a:ext uri="{C183D7F6-B498-43B3-948B-1728B52AA6E4}">
+                <adec:decorative xmlns:adec="http://schemas.microsoft.com/office/drawing/2017/decorative" val="1"/>
+              </a:ext>
+            </a:extLst>
+          </p:cNvPr>
+          <p:cNvSpPr>
+            <a:spLocks noGrp="1" noRot="1" noChangeAspect="1" noMove="1" noResize="1" noEditPoints="1" noAdjustHandles="1" noChangeArrowheads="1" noChangeShapeType="1" noTextEdit="1"/>
+          </p:cNvSpPr>
+          <p:nvPr>
+            <p:extLst>
+              <p:ext uri="{386F3935-93C4-4BCD-93E2-E3B085C9AB24}">
+                <p16:designElem xmlns:p16="http://schemas.microsoft.com/office/powerpoint/2015/main" val="1"/>
+              </p:ext>
+            </p:extLst>
+          </p:nvPr>
+        </p:nvSpPr>
+        <p:spPr>
+          <a:xfrm>
+            <a:off x="0" y="0"/>
+            <a:ext cx="12192000" cy="6858000"/>
+          </a:xfrm>
+          <a:prstGeom prst="rect">
+            <a:avLst/>
+          </a:prstGeom>
+          <a:solidFill>
+            <a:schemeClr val="bg1"/>
+          </a:solidFill>
+          <a:ln>
+            <a:noFill/>
+          </a:ln>
+        </p:spPr>
+        <p:style>
+          <a:lnRef idx="2">
+            <a:schemeClr val="accent1">
+              <a:shade val="50000"/>
+            </a:schemeClr>
+          </a:lnRef>
+          <a:fillRef idx="1">
+            <a:schemeClr val="accent1"/>
+          </a:fillRef>
+          <a:effectRef idx="0">
+            <a:schemeClr val="accent1"/>
+          </a:effectRef>
+          <a:fontRef idx="minor">
+            <a:schemeClr val="lt1"/>
+          </a:fontRef>
+        </p:style>
+        <p:txBody>
+          <a:bodyPr rtlCol="0" anchor="ctr"/>
+          <a:lstStyle/>
+          <a:p>
+            <a:pPr algn="ctr"/>
+            <a:endParaRPr lang="en-US"/>
+          </a:p>
+        </p:txBody>
+      </p:sp>
+      <p:sp>
+        <p:nvSpPr>
+          <p:cNvPr id="44" name="Rectangle 43">
+            <a:extLst>
+              <a:ext uri="{FF2B5EF4-FFF2-40B4-BE49-F238E27FC236}">
+                <a16:creationId xmlns:a16="http://schemas.microsoft.com/office/drawing/2014/main" id="{83826D3E-3EF4-47F9-A497-A46617EE6907}"/>
+              </a:ext>
+              <a:ext uri="{C183D7F6-B498-43B3-948B-1728B52AA6E4}">
+                <adec:decorative xmlns:adec="http://schemas.microsoft.com/office/drawing/2017/decorative" val="1"/>
+              </a:ext>
+            </a:extLst>
+          </p:cNvPr>
+          <p:cNvSpPr>
+            <a:spLocks noGrp="1" noRot="1" noChangeAspect="1" noMove="1" noResize="1" noEditPoints="1" noAdjustHandles="1" noChangeArrowheads="1" noChangeShapeType="1" noTextEdit="1"/>
+          </p:cNvSpPr>
+          <p:nvPr>
+            <p:extLst>
+              <p:ext uri="{386F3935-93C4-4BCD-93E2-E3B085C9AB24}">
+                <p16:designElem xmlns:p16="http://schemas.microsoft.com/office/powerpoint/2015/main" val="1"/>
+              </p:ext>
+            </p:extLst>
+          </p:nvPr>
+        </p:nvSpPr>
+        <p:spPr>
+          <a:xfrm>
+            <a:off x="3048" y="3738880"/>
+            <a:ext cx="12188952" cy="1828800"/>
+          </a:xfrm>
+          <a:prstGeom prst="rect">
+            <a:avLst/>
+          </a:prstGeom>
+          <a:solidFill>
+            <a:schemeClr val="tx2"/>
+          </a:solidFill>
+          <a:ln>
+            <a:noFill/>
+          </a:ln>
+        </p:spPr>
+        <p:style>
+          <a:lnRef idx="2">
+            <a:schemeClr val="accent1">
+              <a:shade val="50000"/>
+            </a:schemeClr>
+          </a:lnRef>
+          <a:fillRef idx="1">
+            <a:schemeClr val="accent1"/>
+          </a:fillRef>
+          <a:effectRef idx="0">
+            <a:schemeClr val="accent1"/>
+          </a:effectRef>
+          <a:fontRef idx="minor">
+            <a:schemeClr val="lt1"/>
+          </a:fontRef>
+        </p:style>
+        <p:txBody>
+          <a:bodyPr rtlCol="0" anchor="ctr"/>
+          <a:lstStyle>
+            <a:defPPr>
+              <a:defRPr lang="en-US"/>
+            </a:defPPr>
+            <a:lvl1pPr marL="0" algn="l" defTabSz="914400" rtl="0" eaLnBrk="1" latinLnBrk="0" hangingPunct="1">
+              <a:defRPr sz="1800" kern="1200">
+                <a:solidFill>
+                  <a:schemeClr val="lt1"/>
+                </a:solidFill>
+                <a:latin typeface="+mn-lt"/>
+                <a:ea typeface="+mn-ea"/>
+                <a:cs typeface="+mn-cs"/>
+              </a:defRPr>
+            </a:lvl1pPr>
+            <a:lvl2pPr marL="457200" algn="l" defTabSz="914400" rtl="0" eaLnBrk="1" latinLnBrk="0" hangingPunct="1">
+              <a:defRPr sz="1800" kern="1200">
+                <a:solidFill>
+                  <a:schemeClr val="lt1"/>
+                </a:solidFill>
+                <a:latin typeface="+mn-lt"/>
+                <a:ea typeface="+mn-ea"/>
+                <a:cs typeface="+mn-cs"/>
+              </a:defRPr>
+            </a:lvl2pPr>
+            <a:lvl3pPr marL="914400" algn="l" defTabSz="914400" rtl="0" eaLnBrk="1" latinLnBrk="0" hangingPunct="1">
+              <a:defRPr sz="1800" kern="1200">
+                <a:solidFill>
+                  <a:schemeClr val="lt1"/>
+                </a:solidFill>
+                <a:latin typeface="+mn-lt"/>
+                <a:ea typeface="+mn-ea"/>
+                <a:cs typeface="+mn-cs"/>
+              </a:defRPr>
+            </a:lvl3pPr>
+            <a:lvl4pPr marL="1371600" algn="l" defTabSz="914400" rtl="0" eaLnBrk="1" latinLnBrk="0" hangingPunct="1">
+              <a:defRPr sz="1800" kern="1200">
+                <a:solidFill>
+                  <a:schemeClr val="lt1"/>
+                </a:solidFill>
+                <a:latin typeface="+mn-lt"/>
+                <a:ea typeface="+mn-ea"/>
+                <a:cs typeface="+mn-cs"/>
+              </a:defRPr>
+            </a:lvl4pPr>
+            <a:lvl5pPr marL="1828800" algn="l" defTabSz="914400" rtl="0" eaLnBrk="1" latinLnBrk="0" hangingPunct="1">
+              <a:defRPr sz="1800" kern="1200">
+                <a:solidFill>
+                  <a:schemeClr val="lt1"/>
+                </a:solidFill>
+                <a:latin typeface="+mn-lt"/>
+                <a:ea typeface="+mn-ea"/>
+                <a:cs typeface="+mn-cs"/>
+              </a:defRPr>
+            </a:lvl5pPr>
+            <a:lvl6pPr marL="2286000" algn="l" defTabSz="914400" rtl="0" eaLnBrk="1" latinLnBrk="0" hangingPunct="1">
+              <a:defRPr sz="1800" kern="1200">
+                <a:solidFill>
+                  <a:schemeClr val="lt1"/>
+                </a:solidFill>
+                <a:latin typeface="+mn-lt"/>
+                <a:ea typeface="+mn-ea"/>
+                <a:cs typeface="+mn-cs"/>
+              </a:defRPr>
+            </a:lvl6pPr>
+            <a:lvl7pPr marL="2743200" algn="l" defTabSz="914400" rtl="0" eaLnBrk="1" latinLnBrk="0" hangingPunct="1">
+              <a:defRPr sz="1800" kern="1200">
+                <a:solidFill>
+                  <a:schemeClr val="lt1"/>
+                </a:solidFill>
+                <a:latin typeface="+mn-lt"/>
+                <a:ea typeface="+mn-ea"/>
+                <a:cs typeface="+mn-cs"/>
+              </a:defRPr>
+            </a:lvl7pPr>
+            <a:lvl8pPr marL="3200400" algn="l" defTabSz="914400" rtl="0" eaLnBrk="1" latinLnBrk="0" hangingPunct="1">
+              <a:defRPr sz="1800" kern="1200">
+                <a:solidFill>
+                  <a:schemeClr val="lt1"/>
+                </a:solidFill>
+                <a:latin typeface="+mn-lt"/>
+                <a:ea typeface="+mn-ea"/>
+                <a:cs typeface="+mn-cs"/>
+              </a:defRPr>
+            </a:lvl8pPr>
+            <a:lvl9pPr marL="3657600" algn="l" defTabSz="914400" rtl="0" eaLnBrk="1" latinLnBrk="0" hangingPunct="1">
+              <a:defRPr sz="1800" kern="1200">
+                <a:solidFill>
+                  <a:schemeClr val="lt1"/>
+                </a:solidFill>
+                <a:latin typeface="+mn-lt"/>
+                <a:ea typeface="+mn-ea"/>
+                <a:cs typeface="+mn-cs"/>
+              </a:defRPr>
+            </a:lvl9pPr>
+          </a:lstStyle>
+          <a:p>
+            <a:pPr marL="0" marR="0" lvl="0" indent="0" algn="ctr" defTabSz="914400" rtl="0" eaLnBrk="1" fontAlgn="auto" latinLnBrk="0" hangingPunct="1">
+              <a:lnSpc>
+                <a:spcPct val="100000"/>
+              </a:lnSpc>
+              <a:spcBef>
+                <a:spcPts val="0"/>
+              </a:spcBef>
+              <a:spcAft>
+                <a:spcPts val="0"/>
+              </a:spcAft>
+              <a:buClrTx/>
+              <a:buSzTx/>
+              <a:buFontTx/>
+              <a:buNone/>
+              <a:tabLst/>
+              <a:defRPr/>
+            </a:pPr>
+            <a:endParaRPr kumimoji="0" lang="en-US" sz="1800" b="0" i="0" u="none" strike="noStrike" kern="1200" cap="none" spc="0" normalizeH="0" baseline="0" noProof="0" dirty="0">
+              <a:ln>
+                <a:noFill/>
+              </a:ln>
+              <a:solidFill>
+                <a:srgbClr val="FFFFFF"/>
+              </a:solidFill>
+              <a:effectLst/>
+              <a:uLnTx/>
+              <a:uFillTx/>
+              <a:latin typeface="Corbel" panose="020B0503020204020204"/>
+              <a:ea typeface="+mn-ea"/>
+              <a:cs typeface="+mn-cs"/>
+            </a:endParaRPr>
+          </a:p>
+        </p:txBody>
+      </p:sp>
+      <p:sp>
+        <p:nvSpPr>
+          <p:cNvPr id="2" name="Titel 1">
+            <a:extLst>
+              <a:ext uri="{FF2B5EF4-FFF2-40B4-BE49-F238E27FC236}">
+                <a16:creationId xmlns:a16="http://schemas.microsoft.com/office/drawing/2014/main" id="{2C1052EC-EB67-49BF-BA1F-40AF14236541}"/>
+              </a:ext>
+            </a:extLst>
+          </p:cNvPr>
+          <p:cNvSpPr>
+            <a:spLocks noGrp="1"/>
+          </p:cNvSpPr>
+          <p:nvPr>
+            <p:ph type="title"/>
+          </p:nvPr>
+        </p:nvSpPr>
+        <p:spPr>
+          <a:xfrm>
+            <a:off x="365759" y="3876040"/>
+            <a:ext cx="11471565" cy="1739347"/>
+          </a:xfrm>
+        </p:spPr>
+        <p:txBody>
+          <a:bodyPr vert="horz" lIns="91440" tIns="45720" rIns="91440" bIns="45720" rtlCol="0" anchor="ctr">
+            <a:normAutofit/>
+          </a:bodyPr>
+          <a:lstStyle/>
+          <a:p>
+            <a:pPr algn="ctr">
+              <a:lnSpc>
+                <a:spcPct val="80000"/>
+              </a:lnSpc>
+            </a:pPr>
+            <a:r>
+              <a:rPr lang="en-US" sz="6000" spc="150"/>
+              <a:t>Technologien</a:t>
+            </a:r>
+          </a:p>
+        </p:txBody>
+      </p:sp>
+      <p:sp>
+        <p:nvSpPr>
+          <p:cNvPr id="46" name="Rectangle 45">
+            <a:extLst>
+              <a:ext uri="{FF2B5EF4-FFF2-40B4-BE49-F238E27FC236}">
+                <a16:creationId xmlns:a16="http://schemas.microsoft.com/office/drawing/2014/main" id="{71A3BEF8-4796-4ED2-A762-B207F2E9AF5A}"/>
+              </a:ext>
+              <a:ext uri="{C183D7F6-B498-43B3-948B-1728B52AA6E4}">
+                <adec:decorative xmlns:adec="http://schemas.microsoft.com/office/drawing/2017/decorative" val="1"/>
+              </a:ext>
+            </a:extLst>
+          </p:cNvPr>
+          <p:cNvSpPr>
+            <a:spLocks noGrp="1" noRot="1" noChangeAspect="1" noMove="1" noResize="1" noEditPoints="1" noAdjustHandles="1" noChangeArrowheads="1" noChangeShapeType="1" noTextEdit="1"/>
+          </p:cNvSpPr>
+          <p:nvPr>
+            <p:extLst>
+              <p:ext uri="{386F3935-93C4-4BCD-93E2-E3B085C9AB24}">
+                <p16:designElem xmlns:p16="http://schemas.microsoft.com/office/powerpoint/2015/main" val="1"/>
+              </p:ext>
+            </p:extLst>
+          </p:nvPr>
+        </p:nvSpPr>
+        <p:spPr>
+          <a:xfrm>
+            <a:off x="910465" y="583660"/>
+            <a:ext cx="3320322" cy="2833487"/>
+          </a:xfrm>
+          <a:prstGeom prst="rect">
+            <a:avLst/>
+          </a:prstGeom>
+          <a:noFill/>
+          <a:ln w="50800">
+            <a:solidFill>
+              <a:schemeClr val="tx2"/>
+            </a:solidFill>
+            <a:miter lim="800000"/>
+          </a:ln>
+        </p:spPr>
+        <p:style>
+          <a:lnRef idx="2">
+            <a:schemeClr val="accent1">
+              <a:shade val="50000"/>
+            </a:schemeClr>
+          </a:lnRef>
+          <a:fillRef idx="1">
+            <a:schemeClr val="accent1"/>
+          </a:fillRef>
+          <a:effectRef idx="0">
+            <a:schemeClr val="accent1"/>
+          </a:effectRef>
+          <a:fontRef idx="minor">
+            <a:schemeClr val="lt1"/>
+          </a:fontRef>
+        </p:style>
+        <p:txBody>
+          <a:bodyPr rtlCol="0" anchor="ctr"/>
+          <a:lstStyle/>
+          <a:p>
+            <a:pPr algn="ctr"/>
+            <a:endParaRPr lang="en-US"/>
+          </a:p>
+        </p:txBody>
+      </p:sp>
+      <p:pic>
+        <p:nvPicPr>
+          <p:cNvPr id="35" name="Grafik 34" descr="Ein Bild, das Regenschirm enthält.&#10;&#10;Automatisch generierte Beschreibung">
+            <a:extLst>
+              <a:ext uri="{FF2B5EF4-FFF2-40B4-BE49-F238E27FC236}">
+                <a16:creationId xmlns:a16="http://schemas.microsoft.com/office/drawing/2014/main" id="{AAC2C4D5-24C2-4FD8-B553-E30A604885A6}"/>
+              </a:ext>
+            </a:extLst>
+          </p:cNvPr>
+          <p:cNvPicPr>
+            <a:picLocks noChangeAspect="1"/>
+          </p:cNvPicPr>
+          <p:nvPr/>
+        </p:nvPicPr>
+        <p:blipFill>
+          <a:blip r:embed="rId2"/>
+          <a:stretch>
+            <a:fillRect/>
+          </a:stretch>
+        </p:blipFill>
+        <p:spPr>
+          <a:xfrm>
+            <a:off x="1030155" y="977403"/>
+            <a:ext cx="1221866" cy="1668076"/>
+          </a:xfrm>
+          <a:prstGeom prst="rect">
+            <a:avLst/>
+          </a:prstGeom>
+        </p:spPr>
+      </p:pic>
+      <p:sp>
+        <p:nvSpPr>
+          <p:cNvPr id="48" name="Rectangle 47">
+            <a:extLst>
+              <a:ext uri="{FF2B5EF4-FFF2-40B4-BE49-F238E27FC236}">
+                <a16:creationId xmlns:a16="http://schemas.microsoft.com/office/drawing/2014/main" id="{007722DC-2503-4B75-B7FA-8950ABF2B600}"/>
+              </a:ext>
+              <a:ext uri="{C183D7F6-B498-43B3-948B-1728B52AA6E4}">
+                <adec:decorative xmlns:adec="http://schemas.microsoft.com/office/drawing/2017/decorative" val="1"/>
+              </a:ext>
+            </a:extLst>
+          </p:cNvPr>
+          <p:cNvSpPr>
+            <a:spLocks noGrp="1" noRot="1" noChangeAspect="1" noMove="1" noResize="1" noEditPoints="1" noAdjustHandles="1" noChangeArrowheads="1" noChangeShapeType="1" noTextEdit="1"/>
+          </p:cNvSpPr>
+          <p:nvPr>
+            <p:extLst>
+              <p:ext uri="{386F3935-93C4-4BCD-93E2-E3B085C9AB24}">
+                <p16:designElem xmlns:p16="http://schemas.microsoft.com/office/powerpoint/2015/main" val="1"/>
+              </p:ext>
+            </p:extLst>
+          </p:nvPr>
+        </p:nvSpPr>
+        <p:spPr>
+          <a:xfrm>
+            <a:off x="4435839" y="583660"/>
+            <a:ext cx="3320322" cy="2833487"/>
+          </a:xfrm>
+          <a:prstGeom prst="rect">
+            <a:avLst/>
+          </a:prstGeom>
+          <a:noFill/>
+          <a:ln w="50800">
+            <a:solidFill>
+              <a:schemeClr val="tx2"/>
+            </a:solidFill>
+            <a:miter lim="800000"/>
+          </a:ln>
+        </p:spPr>
+        <p:style>
+          <a:lnRef idx="2">
+            <a:schemeClr val="accent1">
+              <a:shade val="50000"/>
+            </a:schemeClr>
+          </a:lnRef>
+          <a:fillRef idx="1">
+            <a:schemeClr val="accent1"/>
+          </a:fillRef>
+          <a:effectRef idx="0">
+            <a:schemeClr val="accent1"/>
+          </a:effectRef>
+          <a:fontRef idx="minor">
+            <a:schemeClr val="lt1"/>
+          </a:fontRef>
+        </p:style>
+        <p:txBody>
+          <a:bodyPr rtlCol="0" anchor="ctr"/>
+          <a:lstStyle/>
+          <a:p>
+            <a:pPr algn="ctr"/>
+            <a:endParaRPr lang="en-US"/>
+          </a:p>
+        </p:txBody>
+      </p:sp>
+      <p:pic>
+        <p:nvPicPr>
+          <p:cNvPr id="7" name="Inhaltsplatzhalter 6" descr="Ein Bild, das Zeichnung enthält.&#10;&#10;Automatisch generierte Beschreibung">
+            <a:extLst>
+              <a:ext uri="{FF2B5EF4-FFF2-40B4-BE49-F238E27FC236}">
+                <a16:creationId xmlns:a16="http://schemas.microsoft.com/office/drawing/2014/main" id="{E007BF2E-AB80-4673-B887-AB68AC3A2270}"/>
+              </a:ext>
+            </a:extLst>
+          </p:cNvPr>
+          <p:cNvPicPr>
+            <a:picLocks noGrp="1" noChangeAspect="1"/>
+          </p:cNvPicPr>
+          <p:nvPr>
+            <p:ph idx="1"/>
+          </p:nvPr>
+        </p:nvPicPr>
+        <p:blipFill>
+          <a:blip r:embed="rId3"/>
+          <a:stretch>
+            <a:fillRect/>
+          </a:stretch>
+        </p:blipFill>
+        <p:spPr>
+          <a:xfrm>
+            <a:off x="4961522" y="886613"/>
+            <a:ext cx="2268956" cy="896238"/>
+          </a:xfrm>
+          <a:prstGeom prst="rect">
+            <a:avLst/>
+          </a:prstGeom>
+        </p:spPr>
+      </p:pic>
+      <p:sp>
+        <p:nvSpPr>
+          <p:cNvPr id="50" name="Rectangle 49">
+            <a:extLst>
+              <a:ext uri="{FF2B5EF4-FFF2-40B4-BE49-F238E27FC236}">
+                <a16:creationId xmlns:a16="http://schemas.microsoft.com/office/drawing/2014/main" id="{666AE3DC-568E-42DC-907A-6F055FF5E9B2}"/>
+              </a:ext>
+              <a:ext uri="{C183D7F6-B498-43B3-948B-1728B52AA6E4}">
+                <adec:decorative xmlns:adec="http://schemas.microsoft.com/office/drawing/2017/decorative" val="1"/>
+              </a:ext>
+            </a:extLst>
+          </p:cNvPr>
+          <p:cNvSpPr>
+            <a:spLocks noGrp="1" noRot="1" noChangeAspect="1" noMove="1" noResize="1" noEditPoints="1" noAdjustHandles="1" noChangeArrowheads="1" noChangeShapeType="1" noTextEdit="1"/>
+          </p:cNvSpPr>
+          <p:nvPr>
+            <p:extLst>
+              <p:ext uri="{386F3935-93C4-4BCD-93E2-E3B085C9AB24}">
+                <p16:designElem xmlns:p16="http://schemas.microsoft.com/office/powerpoint/2015/main" val="1"/>
+              </p:ext>
+            </p:extLst>
+          </p:nvPr>
+        </p:nvSpPr>
+        <p:spPr>
+          <a:xfrm>
+            <a:off x="7961213" y="583660"/>
+            <a:ext cx="3320322" cy="2833487"/>
+          </a:xfrm>
+          <a:prstGeom prst="rect">
+            <a:avLst/>
+          </a:prstGeom>
+          <a:noFill/>
+          <a:ln w="50800">
+            <a:solidFill>
+              <a:schemeClr val="tx2"/>
+            </a:solidFill>
+            <a:miter lim="800000"/>
+          </a:ln>
+        </p:spPr>
+        <p:style>
+          <a:lnRef idx="2">
+            <a:schemeClr val="accent1">
+              <a:shade val="50000"/>
+            </a:schemeClr>
+          </a:lnRef>
+          <a:fillRef idx="1">
+            <a:schemeClr val="accent1"/>
+          </a:fillRef>
+          <a:effectRef idx="0">
+            <a:schemeClr val="accent1"/>
+          </a:effectRef>
+          <a:fontRef idx="minor">
+            <a:schemeClr val="lt1"/>
+          </a:fontRef>
+        </p:style>
+        <p:txBody>
+          <a:bodyPr rtlCol="0" anchor="ctr"/>
+          <a:lstStyle/>
+          <a:p>
+            <a:pPr algn="ctr"/>
+            <a:endParaRPr lang="en-US"/>
+          </a:p>
+        </p:txBody>
+      </p:sp>
+      <p:pic>
+        <p:nvPicPr>
+          <p:cNvPr id="9" name="Grafik 8" descr="Ein Bild, das Uhr enthält.&#10;&#10;Automatisch generierte Beschreibung">
+            <a:extLst>
+              <a:ext uri="{FF2B5EF4-FFF2-40B4-BE49-F238E27FC236}">
+                <a16:creationId xmlns:a16="http://schemas.microsoft.com/office/drawing/2014/main" id="{F96C6D80-C014-47B8-9A7D-37CA646CB4C3}"/>
+              </a:ext>
+            </a:extLst>
+          </p:cNvPr>
+          <p:cNvPicPr>
+            <a:picLocks noChangeAspect="1"/>
+          </p:cNvPicPr>
+          <p:nvPr/>
+        </p:nvPicPr>
+        <p:blipFill>
+          <a:blip r:embed="rId4"/>
+          <a:stretch>
+            <a:fillRect/>
+          </a:stretch>
+        </p:blipFill>
+        <p:spPr>
+          <a:xfrm>
+            <a:off x="8166265" y="1563870"/>
+            <a:ext cx="2910218" cy="873065"/>
+          </a:xfrm>
+          <a:prstGeom prst="rect">
+            <a:avLst/>
+          </a:prstGeom>
+        </p:spPr>
+      </p:pic>
+      <p:pic>
+        <p:nvPicPr>
+          <p:cNvPr id="21" name="Grafik 20" descr="Ein Bild, das Wasserfahrzeug, Gefäß, Flagge enthält.&#10;&#10;Automatisch generierte Beschreibung">
+            <a:extLst>
+              <a:ext uri="{FF2B5EF4-FFF2-40B4-BE49-F238E27FC236}">
+                <a16:creationId xmlns:a16="http://schemas.microsoft.com/office/drawing/2014/main" id="{564D23A7-4F5E-4B60-BED6-5A0E7E652D87}"/>
+              </a:ext>
+            </a:extLst>
+          </p:cNvPr>
+          <p:cNvPicPr>
+            <a:picLocks noChangeAspect="1"/>
+          </p:cNvPicPr>
+          <p:nvPr/>
+        </p:nvPicPr>
+        <p:blipFill>
+          <a:blip r:embed="rId5"/>
+          <a:stretch>
+            <a:fillRect/>
+          </a:stretch>
+        </p:blipFill>
+        <p:spPr>
+          <a:xfrm>
+            <a:off x="2665151" y="760663"/>
+            <a:ext cx="1435509" cy="1435509"/>
+          </a:xfrm>
+          <a:prstGeom prst="rect">
+            <a:avLst/>
+          </a:prstGeom>
+        </p:spPr>
+      </p:pic>
+      <p:sp>
+        <p:nvSpPr>
+          <p:cNvPr id="23" name="Textfeld 22">
+            <a:extLst>
+              <a:ext uri="{FF2B5EF4-FFF2-40B4-BE49-F238E27FC236}">
+                <a16:creationId xmlns:a16="http://schemas.microsoft.com/office/drawing/2014/main" id="{6803165A-0F07-467A-BC05-2C63C294D0E1}"/>
+              </a:ext>
+            </a:extLst>
+          </p:cNvPr>
+          <p:cNvSpPr txBox="1"/>
+          <p:nvPr/>
+        </p:nvSpPr>
+        <p:spPr>
+          <a:xfrm>
+            <a:off x="2818613" y="2321982"/>
+            <a:ext cx="1319753" cy="369332"/>
+          </a:xfrm>
+          <a:prstGeom prst="rect">
+            <a:avLst/>
+          </a:prstGeom>
+          <a:noFill/>
+        </p:spPr>
+        <p:txBody>
+          <a:bodyPr wrap="square" rtlCol="0">
+            <a:spAutoFit/>
+          </a:bodyPr>
+          <a:lstStyle/>
+          <a:p>
+            <a:r>
+              <a:rPr lang="de-AT" dirty="0"/>
+              <a:t>Heaps.io</a:t>
+            </a:r>
+          </a:p>
+        </p:txBody>
+      </p:sp>
+      <p:pic>
+        <p:nvPicPr>
+          <p:cNvPr id="27" name="Grafik 26" descr="Ein Bild, das Fenster, Zeichnung enthält.&#10;&#10;Automatisch generierte Beschreibung">
+            <a:extLst>
+              <a:ext uri="{FF2B5EF4-FFF2-40B4-BE49-F238E27FC236}">
+                <a16:creationId xmlns:a16="http://schemas.microsoft.com/office/drawing/2014/main" id="{A7197B19-67FF-4040-B1EF-F195F63FF15E}"/>
+              </a:ext>
+            </a:extLst>
+          </p:cNvPr>
+          <p:cNvPicPr>
+            <a:picLocks noChangeAspect="1"/>
+          </p:cNvPicPr>
+          <p:nvPr/>
+        </p:nvPicPr>
+        <p:blipFill>
+          <a:blip r:embed="rId6"/>
+          <a:stretch>
+            <a:fillRect/>
+          </a:stretch>
+        </p:blipFill>
+        <p:spPr>
+          <a:xfrm>
+            <a:off x="4584705" y="2010158"/>
+            <a:ext cx="1270641" cy="1270641"/>
+          </a:xfrm>
+          <a:prstGeom prst="rect">
+            <a:avLst/>
+          </a:prstGeom>
+        </p:spPr>
+      </p:pic>
+      <p:sp>
+        <p:nvSpPr>
+          <p:cNvPr id="36" name="Textfeld 35">
+            <a:extLst>
+              <a:ext uri="{FF2B5EF4-FFF2-40B4-BE49-F238E27FC236}">
+                <a16:creationId xmlns:a16="http://schemas.microsoft.com/office/drawing/2014/main" id="{A8ED2EB1-0FD4-41A1-96BA-B456EE8F10FB}"/>
+              </a:ext>
+            </a:extLst>
+          </p:cNvPr>
+          <p:cNvSpPr txBox="1"/>
+          <p:nvPr/>
+        </p:nvSpPr>
+        <p:spPr>
+          <a:xfrm>
+            <a:off x="6138935" y="2496267"/>
+            <a:ext cx="1364801" cy="369332"/>
+          </a:xfrm>
+          <a:prstGeom prst="rect">
+            <a:avLst/>
+          </a:prstGeom>
+          <a:noFill/>
+        </p:spPr>
+        <p:txBody>
+          <a:bodyPr wrap="square" rtlCol="0">
+            <a:spAutoFit/>
+          </a:bodyPr>
+          <a:lstStyle/>
+          <a:p>
+            <a:r>
+              <a:rPr lang="de-AT" dirty="0"/>
+              <a:t>Gorilla</a:t>
+            </a:r>
+          </a:p>
+        </p:txBody>
+      </p:sp>
+    </p:spTree>
+    <p:extLst>
+      <p:ext uri="{BB962C8B-B14F-4D97-AF65-F5344CB8AC3E}">
+        <p14:creationId xmlns:p14="http://schemas.microsoft.com/office/powerpoint/2010/main" val="847235151"/>
+      </p:ext>
+    </p:extLst>
+  </p:cSld>
+  <p:clrMapOvr>
+    <a:overrideClrMapping bg1="lt1" tx1="dk1" bg2="lt2" tx2="dk2" accent1="accent1" accent2="accent2" accent3="accent3" accent4="accent4" accent5="accent5" accent6="accent6" hlink="hlink" folHlink="folHlink"/>
+  </p:clrMapOvr>
+</p:sld>
+</file>
+
+<file path=ppt/slides/slide4.xml><?xml version="1.0" encoding="utf-8"?>
+<p:sld xmlns:a="http://schemas.openxmlformats.org/drawingml/2006/main" xmlns:r="http://schemas.openxmlformats.org/officeDocument/2006/relationships" xmlns:p="http://schemas.openxmlformats.org/presentationml/2006/main">
+  <p:cSld>
     <p:spTree>
       <p:nvGrpSpPr>
         <p:cNvPr id="1" name=""/>
